--- a/Project1/modelling/modellingClasses.pptx
+++ b/Project1/modelling/modellingClasses.pptx
@@ -269,7 +269,7 @@
           <a:p>
             <a:fld id="{B7093E0C-76A6-4CE3-807B-E3536833713B}" type="datetimeFigureOut">
               <a:rPr lang="pt-BR" smtClean="0"/>
-              <a:t>02/05/2020</a:t>
+              <a:t>05/05/2020</a:t>
             </a:fld>
             <a:endParaRPr lang="pt-BR"/>
           </a:p>
@@ -467,7 +467,7 @@
           <a:p>
             <a:fld id="{B7093E0C-76A6-4CE3-807B-E3536833713B}" type="datetimeFigureOut">
               <a:rPr lang="pt-BR" smtClean="0"/>
-              <a:t>02/05/2020</a:t>
+              <a:t>05/05/2020</a:t>
             </a:fld>
             <a:endParaRPr lang="pt-BR"/>
           </a:p>
@@ -675,7 +675,7 @@
           <a:p>
             <a:fld id="{B7093E0C-76A6-4CE3-807B-E3536833713B}" type="datetimeFigureOut">
               <a:rPr lang="pt-BR" smtClean="0"/>
-              <a:t>02/05/2020</a:t>
+              <a:t>05/05/2020</a:t>
             </a:fld>
             <a:endParaRPr lang="pt-BR"/>
           </a:p>
@@ -873,7 +873,7 @@
           <a:p>
             <a:fld id="{B7093E0C-76A6-4CE3-807B-E3536833713B}" type="datetimeFigureOut">
               <a:rPr lang="pt-BR" smtClean="0"/>
-              <a:t>02/05/2020</a:t>
+              <a:t>05/05/2020</a:t>
             </a:fld>
             <a:endParaRPr lang="pt-BR"/>
           </a:p>
@@ -1148,7 +1148,7 @@
           <a:p>
             <a:fld id="{B7093E0C-76A6-4CE3-807B-E3536833713B}" type="datetimeFigureOut">
               <a:rPr lang="pt-BR" smtClean="0"/>
-              <a:t>02/05/2020</a:t>
+              <a:t>05/05/2020</a:t>
             </a:fld>
             <a:endParaRPr lang="pt-BR"/>
           </a:p>
@@ -1413,7 +1413,7 @@
           <a:p>
             <a:fld id="{B7093E0C-76A6-4CE3-807B-E3536833713B}" type="datetimeFigureOut">
               <a:rPr lang="pt-BR" smtClean="0"/>
-              <a:t>02/05/2020</a:t>
+              <a:t>05/05/2020</a:t>
             </a:fld>
             <a:endParaRPr lang="pt-BR"/>
           </a:p>
@@ -1825,7 +1825,7 @@
           <a:p>
             <a:fld id="{B7093E0C-76A6-4CE3-807B-E3536833713B}" type="datetimeFigureOut">
               <a:rPr lang="pt-BR" smtClean="0"/>
-              <a:t>02/05/2020</a:t>
+              <a:t>05/05/2020</a:t>
             </a:fld>
             <a:endParaRPr lang="pt-BR"/>
           </a:p>
@@ -1966,7 +1966,7 @@
           <a:p>
             <a:fld id="{B7093E0C-76A6-4CE3-807B-E3536833713B}" type="datetimeFigureOut">
               <a:rPr lang="pt-BR" smtClean="0"/>
-              <a:t>02/05/2020</a:t>
+              <a:t>05/05/2020</a:t>
             </a:fld>
             <a:endParaRPr lang="pt-BR"/>
           </a:p>
@@ -2079,7 +2079,7 @@
           <a:p>
             <a:fld id="{B7093E0C-76A6-4CE3-807B-E3536833713B}" type="datetimeFigureOut">
               <a:rPr lang="pt-BR" smtClean="0"/>
-              <a:t>02/05/2020</a:t>
+              <a:t>05/05/2020</a:t>
             </a:fld>
             <a:endParaRPr lang="pt-BR"/>
           </a:p>
@@ -2390,7 +2390,7 @@
           <a:p>
             <a:fld id="{B7093E0C-76A6-4CE3-807B-E3536833713B}" type="datetimeFigureOut">
               <a:rPr lang="pt-BR" smtClean="0"/>
-              <a:t>02/05/2020</a:t>
+              <a:t>05/05/2020</a:t>
             </a:fld>
             <a:endParaRPr lang="pt-BR"/>
           </a:p>
@@ -2678,7 +2678,7 @@
           <a:p>
             <a:fld id="{B7093E0C-76A6-4CE3-807B-E3536833713B}" type="datetimeFigureOut">
               <a:rPr lang="pt-BR" smtClean="0"/>
-              <a:t>02/05/2020</a:t>
+              <a:t>05/05/2020</a:t>
             </a:fld>
             <a:endParaRPr lang="pt-BR"/>
           </a:p>
@@ -2919,7 +2919,7 @@
           <a:p>
             <a:fld id="{B7093E0C-76A6-4CE3-807B-E3536833713B}" type="datetimeFigureOut">
               <a:rPr lang="pt-BR" smtClean="0"/>
-              <a:t>02/05/2020</a:t>
+              <a:t>05/05/2020</a:t>
             </a:fld>
             <a:endParaRPr lang="pt-BR"/>
           </a:p>
@@ -5880,8 +5880,8 @@
         </p:nvSpPr>
         <p:spPr>
           <a:xfrm>
-            <a:off x="8752644" y="1433696"/>
-            <a:ext cx="2727052" cy="1384994"/>
+            <a:off x="8752644" y="955523"/>
+            <a:ext cx="2727052" cy="1902328"/>
           </a:xfrm>
           <a:prstGeom prst="rect">
             <a:avLst/>
@@ -5934,7 +5934,7 @@
         </p:nvCxnSpPr>
         <p:spPr>
           <a:xfrm>
-            <a:off x="8752644" y="1570383"/>
+            <a:off x="8752644" y="1075432"/>
             <a:ext cx="2727052" cy="0"/>
           </a:xfrm>
           <a:prstGeom prst="line">
@@ -5975,7 +5975,7 @@
         </p:nvCxnSpPr>
         <p:spPr>
           <a:xfrm>
-            <a:off x="8752644" y="1722783"/>
+            <a:off x="8752644" y="1227832"/>
             <a:ext cx="2727052" cy="0"/>
           </a:xfrm>
           <a:prstGeom prst="line">
@@ -6016,7 +6016,7 @@
         </p:nvSpPr>
         <p:spPr>
           <a:xfrm>
-            <a:off x="8752644" y="1113183"/>
+            <a:off x="8752644" y="618232"/>
             <a:ext cx="2727052" cy="369332"/>
           </a:xfrm>
           <a:prstGeom prst="rect">
@@ -6051,8 +6051,8 @@
         </p:nvSpPr>
         <p:spPr>
           <a:xfrm>
-            <a:off x="8736081" y="1792356"/>
-            <a:ext cx="2727052" cy="1554272"/>
+            <a:off x="8736081" y="1221904"/>
+            <a:ext cx="2727052" cy="2062103"/>
           </a:xfrm>
           <a:prstGeom prst="rect">
             <a:avLst/>
@@ -6085,13 +6085,31 @@
           <a:p>
             <a:r>
               <a:rPr lang="pt-BR" sz="1100" b="1" dirty="0"/>
+              <a:t>aStarEuclideanSearch(problem)</a:t>
+            </a:r>
+          </a:p>
+          <a:p>
+            <a:r>
+              <a:rPr lang="pt-BR" sz="1100" b="1" dirty="0"/>
               <a:t>greedyBestFirstSearch(problem)</a:t>
+            </a:r>
+          </a:p>
+          <a:p>
+            <a:r>
+              <a:rPr lang="pt-BR" sz="1100" b="1" dirty="0"/>
+              <a:t>greedyBestFirstEuclideanSearch(problem)</a:t>
             </a:r>
           </a:p>
           <a:p>
             <a:r>
               <a:rPr lang="pt-BR" sz="1100" b="1" dirty="0"/>
               <a:t>hillClimbingSearch(problem)</a:t>
+            </a:r>
+          </a:p>
+          <a:p>
+            <a:r>
+              <a:rPr lang="pt-BR" sz="1100" b="1" dirty="0"/>
+              <a:t>euclideanHeuristic(position, problem)</a:t>
             </a:r>
           </a:p>
           <a:p>
@@ -6180,7 +6198,7 @@
           <a:p>
             <a:r>
               <a:rPr lang="pt-BR" dirty="0"/>
-              <a:t>uses as library</a:t>
+              <a:t>uses (as library)</a:t>
             </a:r>
           </a:p>
         </p:txBody>
